--- a/docs/ＡＳＥインターンシップ2018(モバイルアプリ).pptx
+++ b/docs/ＡＳＥインターンシップ2018(モバイルアプリ).pptx
@@ -10239,12 +10239,20 @@
               </a:lnSpc>
             </a:pPr>
             <a:r>
+              <a:rPr lang="ja-JP" altLang="en-US" sz="2000" dirty="0" smtClean="0"/>
+              <a:t>休憩</a:t>
+            </a:r>
+            <a:r>
+              <a:rPr lang="ja-JP" altLang="en-US" sz="2000" dirty="0"/>
+              <a:t>（</a:t>
+            </a:r>
+            <a:r>
               <a:rPr lang="en-US" altLang="ja-JP" sz="2000" dirty="0"/>
-              <a:t>React Native</a:t>
+              <a:t>15</a:t>
             </a:r>
             <a:r>
               <a:rPr lang="ja-JP" altLang="en-US" sz="2000" dirty="0"/>
-              <a:t>の概要</a:t>
+              <a:t>分程度）</a:t>
             </a:r>
             <a:endParaRPr lang="en-US" altLang="ja-JP" sz="2000" dirty="0"/>
           </a:p>
@@ -10255,16 +10263,12 @@
               </a:lnSpc>
             </a:pPr>
             <a:r>
+              <a:rPr lang="en-US" altLang="ja-JP" sz="2000" dirty="0" err="1"/>
+              <a:t>javascript</a:t>
+            </a:r>
+            <a:r>
               <a:rPr lang="ja-JP" altLang="en-US" sz="2000" dirty="0"/>
-              <a:t>休憩（</a:t>
-            </a:r>
-            <a:r>
-              <a:rPr lang="en-US" altLang="ja-JP" sz="2000" dirty="0"/>
-              <a:t>15</a:t>
-            </a:r>
-            <a:r>
-              <a:rPr lang="ja-JP" altLang="en-US" sz="2000" dirty="0"/>
-              <a:t>分程度）</a:t>
+              <a:t>プログラミングの基礎</a:t>
             </a:r>
             <a:endParaRPr lang="en-US" altLang="ja-JP" sz="2000" dirty="0"/>
           </a:p>
@@ -10275,22 +10279,6 @@
               </a:lnSpc>
             </a:pPr>
             <a:r>
-              <a:rPr lang="en-US" altLang="ja-JP" sz="2000" dirty="0" err="1"/>
-              <a:t>javascript</a:t>
-            </a:r>
-            <a:r>
-              <a:rPr lang="ja-JP" altLang="en-US" sz="2000" dirty="0"/>
-              <a:t>プログラミングの基礎</a:t>
-            </a:r>
-            <a:endParaRPr lang="en-US" altLang="ja-JP" sz="2000" dirty="0"/>
-          </a:p>
-          <a:p>
-            <a:pPr>
-              <a:lnSpc>
-                <a:spcPct val="150000"/>
-              </a:lnSpc>
-            </a:pPr>
-            <a:r>
               <a:rPr lang="en-US" altLang="ja-JP" sz="2000" dirty="0">
                 <a:latin typeface="メイリオ"/>
                 <a:ea typeface="メイリオ"/>
@@ -10323,59 +10311,81 @@
               </a:lnSpc>
               <a:buNone/>
             </a:pPr>
-            <a:r>
-              <a:rPr lang="ja-JP" altLang="en-US" sz="2000" dirty="0" smtClean="0">
-                <a:latin typeface="メイリオ"/>
-                <a:ea typeface="メイリオ"/>
-              </a:rPr>
-              <a:t>　　　　　　　　　　　　　　　　　　　　　</a:t>
-            </a:r>
-            <a:r>
-              <a:rPr lang="en-US" altLang="ja-JP" sz="2000" dirty="0" smtClean="0">
-                <a:latin typeface="メイリオ"/>
-                <a:ea typeface="メイリオ"/>
-              </a:rPr>
-              <a:t>10</a:t>
-            </a:r>
-            <a:r>
-              <a:rPr lang="ja-JP" altLang="en-US" sz="2000" dirty="0" smtClean="0">
-                <a:latin typeface="メイリオ"/>
-                <a:ea typeface="メイリオ"/>
-              </a:rPr>
-              <a:t>：</a:t>
-            </a:r>
-            <a:r>
-              <a:rPr lang="en-US" altLang="ja-JP" sz="2000" dirty="0">
-                <a:latin typeface="メイリオ"/>
-                <a:ea typeface="メイリオ"/>
-              </a:rPr>
-              <a:t>00 </a:t>
-            </a:r>
-            <a:r>
-              <a:rPr lang="ja-JP" altLang="en-US" sz="2000" dirty="0">
-                <a:latin typeface="メイリオ"/>
-                <a:ea typeface="メイリオ"/>
-              </a:rPr>
-              <a:t>～ </a:t>
-            </a:r>
-            <a:r>
-              <a:rPr lang="en-US" altLang="ja-JP" sz="2000" smtClean="0">
-                <a:latin typeface="メイリオ"/>
-                <a:ea typeface="メイリオ"/>
-              </a:rPr>
-              <a:t>12:00</a:t>
-            </a:r>
-            <a:r>
-              <a:rPr lang="ja-JP" altLang="en-US" sz="2000" dirty="0">
-                <a:latin typeface="メイリオ"/>
-                <a:ea typeface="メイリオ"/>
-              </a:rPr>
-              <a:t>を予定</a:t>
-            </a:r>
-            <a:endParaRPr lang="ja-JP" altLang="en-US" sz="2000" dirty="0">
+            <a:endParaRPr lang="en-US" altLang="ja-JP" sz="2000" dirty="0" smtClean="0">
               <a:latin typeface="メイリオ"/>
               <a:ea typeface="メイリオ"/>
             </a:endParaRPr>
+          </a:p>
+          <a:p>
+            <a:pPr marL="0" indent="0">
+              <a:lnSpc>
+                <a:spcPct val="150000"/>
+              </a:lnSpc>
+              <a:buNone/>
+            </a:pPr>
+            <a:r>
+              <a:rPr lang="ja-JP" altLang="en-US" sz="2000" dirty="0" smtClean="0">
+                <a:latin typeface="メイリオ"/>
+                <a:ea typeface="メイリオ"/>
+              </a:rPr>
+              <a:t>　　　　　　　　　　　　　　　　　　　　　</a:t>
+            </a:r>
+            <a:r>
+              <a:rPr lang="en-US" altLang="ja-JP" sz="2000" dirty="0" smtClean="0">
+                <a:latin typeface="メイリオ"/>
+                <a:ea typeface="メイリオ"/>
+              </a:rPr>
+              <a:t>10</a:t>
+            </a:r>
+            <a:r>
+              <a:rPr lang="ja-JP" altLang="en-US" sz="2000" dirty="0" smtClean="0">
+                <a:latin typeface="メイリオ"/>
+                <a:ea typeface="メイリオ"/>
+              </a:rPr>
+              <a:t>：</a:t>
+            </a:r>
+            <a:r>
+              <a:rPr lang="en-US" altLang="ja-JP" sz="2000" dirty="0" smtClean="0">
+                <a:latin typeface="メイリオ"/>
+                <a:ea typeface="メイリオ"/>
+              </a:rPr>
+              <a:t>1</a:t>
+            </a:r>
+            <a:r>
+              <a:rPr lang="en-US" altLang="ja-JP" sz="2000" dirty="0">
+                <a:latin typeface="メイリオ"/>
+                <a:ea typeface="メイリオ"/>
+              </a:rPr>
+              <a:t>5</a:t>
+            </a:r>
+            <a:r>
+              <a:rPr lang="en-US" altLang="ja-JP" sz="2000" dirty="0" smtClean="0">
+                <a:latin typeface="メイリオ"/>
+                <a:ea typeface="メイリオ"/>
+              </a:rPr>
+              <a:t> </a:t>
+            </a:r>
+            <a:r>
+              <a:rPr lang="ja-JP" altLang="en-US" sz="2000" dirty="0">
+                <a:latin typeface="メイリオ"/>
+                <a:ea typeface="メイリオ"/>
+              </a:rPr>
+              <a:t>～ </a:t>
+            </a:r>
+            <a:r>
+              <a:rPr lang="en-US" altLang="ja-JP" sz="2000" dirty="0" smtClean="0">
+                <a:latin typeface="メイリオ"/>
+                <a:ea typeface="メイリオ"/>
+              </a:rPr>
+              <a:t>12:00</a:t>
+            </a:r>
+            <a:r>
+              <a:rPr lang="ja-JP" altLang="en-US" sz="2000" dirty="0">
+                <a:latin typeface="メイリオ"/>
+                <a:ea typeface="メイリオ"/>
+              </a:rPr>
+              <a:t>を予定</a:t>
+            </a:r>
           </a:p>
         </p:txBody>
       </p:sp>
@@ -18660,11 +18670,7 @@
             </a:r>
             <a:r>
               <a:rPr lang="ja-JP" altLang="en-US" sz="2000" dirty="0" smtClean="0"/>
-              <a:t>まとめと次回</a:t>
-            </a:r>
-            <a:r>
-              <a:rPr lang="ja-JP" altLang="en-US" sz="2000" dirty="0" smtClean="0"/>
-              <a:t>予告</a:t>
+              <a:t>まとめと次回予告</a:t>
             </a:r>
             <a:endParaRPr lang="en-US" altLang="ja-JP" sz="2000" dirty="0" smtClean="0"/>
           </a:p>

--- a/docs/ＡＳＥインターンシップ2018(モバイルアプリ).pptx
+++ b/docs/ＡＳＥインターンシップ2018(モバイルアプリ).pptx
@@ -2426,7 +2426,7 @@
           <a:p>
             <a:fld id="{0E02A643-9BB0-4E02-80B2-2C0A5E5D738E}" type="datetimeFigureOut">
               <a:rPr kumimoji="1" lang="ja-JP" altLang="en-US" smtClean="0"/>
-              <a:t>2018/9/26</a:t>
+              <a:t>2018/9/27</a:t>
             </a:fld>
             <a:endParaRPr kumimoji="1" lang="ja-JP" altLang="en-US"/>
           </a:p>
@@ -2677,7 +2677,7 @@
           <a:p>
             <a:fld id="{0E02A643-9BB0-4E02-80B2-2C0A5E5D738E}" type="datetimeFigureOut">
               <a:rPr kumimoji="1" lang="ja-JP" altLang="en-US" smtClean="0"/>
-              <a:t>2018/9/26</a:t>
+              <a:t>2018/9/27</a:t>
             </a:fld>
             <a:endParaRPr kumimoji="1" lang="ja-JP" altLang="en-US"/>
           </a:p>
@@ -2991,7 +2991,7 @@
           <a:p>
             <a:fld id="{0E02A643-9BB0-4E02-80B2-2C0A5E5D738E}" type="datetimeFigureOut">
               <a:rPr kumimoji="1" lang="ja-JP" altLang="en-US" smtClean="0"/>
-              <a:t>2018/9/26</a:t>
+              <a:t>2018/9/27</a:t>
             </a:fld>
             <a:endParaRPr kumimoji="1" lang="ja-JP" altLang="en-US"/>
           </a:p>
@@ -3332,7 +3332,7 @@
           <a:p>
             <a:fld id="{0E02A643-9BB0-4E02-80B2-2C0A5E5D738E}" type="datetimeFigureOut">
               <a:rPr kumimoji="1" lang="ja-JP" altLang="en-US" smtClean="0"/>
-              <a:t>2018/9/26</a:t>
+              <a:t>2018/9/27</a:t>
             </a:fld>
             <a:endParaRPr kumimoji="1" lang="ja-JP" altLang="en-US"/>
           </a:p>
@@ -3646,7 +3646,7 @@
           <a:p>
             <a:fld id="{0E02A643-9BB0-4E02-80B2-2C0A5E5D738E}" type="datetimeFigureOut">
               <a:rPr kumimoji="1" lang="ja-JP" altLang="en-US" smtClean="0"/>
-              <a:t>2018/9/26</a:t>
+              <a:t>2018/9/27</a:t>
             </a:fld>
             <a:endParaRPr kumimoji="1" lang="ja-JP" altLang="en-US"/>
           </a:p>
@@ -4039,7 +4039,7 @@
           <a:p>
             <a:fld id="{0E02A643-9BB0-4E02-80B2-2C0A5E5D738E}" type="datetimeFigureOut">
               <a:rPr kumimoji="1" lang="ja-JP" altLang="en-US" smtClean="0"/>
-              <a:t>2018/9/26</a:t>
+              <a:t>2018/9/27</a:t>
             </a:fld>
             <a:endParaRPr kumimoji="1" lang="ja-JP" altLang="en-US"/>
           </a:p>
@@ -4241,7 +4241,7 @@
           <a:p>
             <a:fld id="{0E02A643-9BB0-4E02-80B2-2C0A5E5D738E}" type="datetimeFigureOut">
               <a:rPr kumimoji="1" lang="ja-JP" altLang="en-US" smtClean="0"/>
-              <a:t>2018/9/26</a:t>
+              <a:t>2018/9/27</a:t>
             </a:fld>
             <a:endParaRPr kumimoji="1" lang="ja-JP" altLang="en-US"/>
           </a:p>
@@ -4453,7 +4453,7 @@
           <a:p>
             <a:fld id="{0E02A643-9BB0-4E02-80B2-2C0A5E5D738E}" type="datetimeFigureOut">
               <a:rPr kumimoji="1" lang="ja-JP" altLang="en-US" smtClean="0"/>
-              <a:t>2018/9/26</a:t>
+              <a:t>2018/9/27</a:t>
             </a:fld>
             <a:endParaRPr kumimoji="1" lang="ja-JP" altLang="en-US"/>
           </a:p>
@@ -4661,7 +4661,7 @@
           <a:p>
             <a:fld id="{0E02A643-9BB0-4E02-80B2-2C0A5E5D738E}" type="datetimeFigureOut">
               <a:rPr kumimoji="1" lang="ja-JP" altLang="en-US" smtClean="0"/>
-              <a:t>2018/9/26</a:t>
+              <a:t>2018/9/27</a:t>
             </a:fld>
             <a:endParaRPr kumimoji="1" lang="ja-JP" altLang="en-US"/>
           </a:p>
@@ -4908,7 +4908,7 @@
           <a:p>
             <a:fld id="{0E02A643-9BB0-4E02-80B2-2C0A5E5D738E}" type="datetimeFigureOut">
               <a:rPr kumimoji="1" lang="ja-JP" altLang="en-US" smtClean="0"/>
-              <a:t>2018/9/26</a:t>
+              <a:t>2018/9/27</a:t>
             </a:fld>
             <a:endParaRPr kumimoji="1" lang="ja-JP" altLang="en-US"/>
           </a:p>
@@ -5204,7 +5204,7 @@
           <a:p>
             <a:fld id="{0E02A643-9BB0-4E02-80B2-2C0A5E5D738E}" type="datetimeFigureOut">
               <a:rPr kumimoji="1" lang="ja-JP" altLang="en-US" smtClean="0"/>
-              <a:t>2018/9/26</a:t>
+              <a:t>2018/9/27</a:t>
             </a:fld>
             <a:endParaRPr kumimoji="1" lang="ja-JP" altLang="en-US"/>
           </a:p>
@@ -5642,7 +5642,7 @@
           <a:p>
             <a:fld id="{0E02A643-9BB0-4E02-80B2-2C0A5E5D738E}" type="datetimeFigureOut">
               <a:rPr kumimoji="1" lang="ja-JP" altLang="en-US" smtClean="0"/>
-              <a:t>2018/9/26</a:t>
+              <a:t>2018/9/27</a:t>
             </a:fld>
             <a:endParaRPr kumimoji="1" lang="ja-JP" altLang="en-US"/>
           </a:p>
@@ -5765,7 +5765,7 @@
           <a:p>
             <a:fld id="{0E02A643-9BB0-4E02-80B2-2C0A5E5D738E}" type="datetimeFigureOut">
               <a:rPr kumimoji="1" lang="ja-JP" altLang="en-US" smtClean="0"/>
-              <a:t>2018/9/26</a:t>
+              <a:t>2018/9/27</a:t>
             </a:fld>
             <a:endParaRPr kumimoji="1" lang="ja-JP" altLang="en-US"/>
           </a:p>
@@ -5860,7 +5860,7 @@
           <a:p>
             <a:fld id="{0E02A643-9BB0-4E02-80B2-2C0A5E5D738E}" type="datetimeFigureOut">
               <a:rPr kumimoji="1" lang="ja-JP" altLang="en-US" smtClean="0"/>
-              <a:t>2018/9/26</a:t>
+              <a:t>2018/9/27</a:t>
             </a:fld>
             <a:endParaRPr kumimoji="1" lang="ja-JP" altLang="en-US"/>
           </a:p>
@@ -6147,7 +6147,7 @@
           <a:p>
             <a:fld id="{0E02A643-9BB0-4E02-80B2-2C0A5E5D738E}" type="datetimeFigureOut">
               <a:rPr kumimoji="1" lang="ja-JP" altLang="en-US" smtClean="0"/>
-              <a:t>2018/9/26</a:t>
+              <a:t>2018/9/27</a:t>
             </a:fld>
             <a:endParaRPr kumimoji="1" lang="ja-JP" altLang="en-US"/>
           </a:p>
@@ -6410,7 +6410,7 @@
           <a:p>
             <a:fld id="{0E02A643-9BB0-4E02-80B2-2C0A5E5D738E}" type="datetimeFigureOut">
               <a:rPr kumimoji="1" lang="ja-JP" altLang="en-US" smtClean="0"/>
-              <a:t>2018/9/26</a:t>
+              <a:t>2018/9/27</a:t>
             </a:fld>
             <a:endParaRPr kumimoji="1" lang="ja-JP" altLang="en-US"/>
           </a:p>
@@ -7185,7 +7185,7 @@
           <a:p>
             <a:fld id="{0E02A643-9BB0-4E02-80B2-2C0A5E5D738E}" type="datetimeFigureOut">
               <a:rPr kumimoji="1" lang="ja-JP" altLang="en-US" smtClean="0"/>
-              <a:t>2018/9/26</a:t>
+              <a:t>2018/9/27</a:t>
             </a:fld>
             <a:endParaRPr kumimoji="1" lang="ja-JP" altLang="en-US"/>
           </a:p>
@@ -9818,65 +9818,71 @@
           <a:lstStyle/>
           <a:p>
             <a:r>
-              <a:rPr lang="ja-JP" sz="2000">
+              <a:rPr lang="ja-JP" sz="2000" dirty="0">
                 <a:ea typeface="メイリオ"/>
               </a:rPr>
               <a:t>ちなみに、世間的なトレンドは以下のような感じ</a:t>
             </a:r>
           </a:p>
           <a:p>
-            <a:endParaRPr lang="ja-JP"/>
-          </a:p>
-          <a:p>
-            <a:r>
-              <a:rPr lang="ja-JP" sz="2000">
+            <a:endParaRPr lang="ja-JP" dirty="0"/>
+          </a:p>
+          <a:p>
+            <a:r>
+              <a:rPr lang="ja-JP" sz="2000" dirty="0">
                 <a:ea typeface="メイリオ"/>
               </a:rPr>
               <a:t>検索ワード「</a:t>
             </a:r>
             <a:r>
-              <a:rPr lang="en-US" altLang="ja-JP" sz="2000">
+              <a:rPr lang="en-US" altLang="ja-JP" sz="2000" dirty="0">
                 <a:ea typeface="メイリオ"/>
               </a:rPr>
               <a:t>Cordova</a:t>
             </a:r>
             <a:r>
-              <a:rPr lang="ja-JP" sz="2000">
+              <a:rPr lang="ja-JP" sz="2000" dirty="0">
                 <a:ea typeface="メイリオ"/>
               </a:rPr>
               <a:t>」「</a:t>
             </a:r>
             <a:r>
-              <a:rPr lang="en-US" altLang="ja-JP" sz="2000">
-                <a:ea typeface="メイリオ"/>
-              </a:rPr>
-              <a:t> Xamarin</a:t>
-            </a:r>
-            <a:r>
-              <a:rPr lang="ja-JP" sz="2000">
+              <a:rPr lang="en-US" altLang="ja-JP" sz="2000" dirty="0">
+                <a:ea typeface="メイリオ"/>
+              </a:rPr>
+              <a:t> </a:t>
+            </a:r>
+            <a:r>
+              <a:rPr lang="en-US" altLang="ja-JP" sz="2000" dirty="0" err="1">
+                <a:ea typeface="メイリオ"/>
+              </a:rPr>
+              <a:t>Xamarin</a:t>
+            </a:r>
+            <a:r>
+              <a:rPr lang="ja-JP" sz="2000" dirty="0">
                 <a:ea typeface="メイリオ"/>
               </a:rPr>
               <a:t>」「</a:t>
             </a:r>
             <a:r>
-              <a:rPr lang="en-US" altLang="ja-JP" sz="2000">
+              <a:rPr lang="en-US" altLang="ja-JP" sz="2000" dirty="0">
                 <a:ea typeface="メイリオ"/>
               </a:rPr>
               <a:t> React Native</a:t>
             </a:r>
             <a:r>
-              <a:rPr lang="ja-JP" sz="2000">
+              <a:rPr lang="ja-JP" sz="2000" dirty="0">
                 <a:ea typeface="メイリオ"/>
               </a:rPr>
               <a:t>」の比較</a:t>
             </a:r>
           </a:p>
           <a:p>
-            <a:endParaRPr lang="ja-JP"/>
-          </a:p>
-          <a:p>
-            <a:r>
-              <a:rPr lang="en-US" altLang="ja-JP" sz="2000">
+            <a:endParaRPr lang="ja-JP" dirty="0"/>
+          </a:p>
+          <a:p>
+            <a:r>
+              <a:rPr lang="en-US" altLang="ja-JP" sz="2000" dirty="0">
                 <a:ea typeface="メイリオ"/>
                 <a:hlinkClick r:id="rId2"/>
               </a:rPr>
@@ -9884,47 +9890,47 @@
             </a:r>
           </a:p>
           <a:p>
-            <a:endParaRPr lang="ja-JP"/>
-          </a:p>
-          <a:p>
-            <a:r>
-              <a:rPr lang="ja-JP" sz="2000">
+            <a:endParaRPr lang="ja-JP" dirty="0"/>
+          </a:p>
+          <a:p>
+            <a:r>
+              <a:rPr lang="ja-JP" sz="2000" dirty="0">
                 <a:ea typeface="メイリオ"/>
               </a:rPr>
               <a:t>世界的には</a:t>
             </a:r>
             <a:r>
-              <a:rPr lang="en-US" altLang="ja-JP" sz="2000">
+              <a:rPr lang="en-US" altLang="ja-JP" sz="2000" dirty="0">
                 <a:ea typeface="メイリオ"/>
               </a:rPr>
               <a:t>React Native</a:t>
             </a:r>
             <a:r>
-              <a:rPr lang="ja-JP" sz="2000">
+              <a:rPr lang="ja-JP" sz="2000" dirty="0">
                 <a:ea typeface="メイリオ"/>
               </a:rPr>
               <a:t>と</a:t>
             </a:r>
             <a:r>
-              <a:rPr lang="en-US" altLang="ja-JP" sz="2000">
+              <a:rPr lang="en-US" altLang="ja-JP" sz="2000" dirty="0">
                 <a:ea typeface="メイリオ"/>
               </a:rPr>
               <a:t>Cordova</a:t>
             </a:r>
             <a:r>
-              <a:rPr lang="ja-JP" sz="2000">
+              <a:rPr lang="ja-JP" sz="2000" dirty="0">
                 <a:ea typeface="メイリオ"/>
               </a:rPr>
               <a:t>の</a:t>
             </a:r>
             <a:r>
-              <a:rPr lang="en-US" altLang="ja-JP" sz="2000">
+              <a:rPr lang="en-US" altLang="ja-JP" sz="2000" dirty="0">
                 <a:ea typeface="メイリオ"/>
               </a:rPr>
               <a:t>2</a:t>
             </a:r>
             <a:r>
-              <a:rPr lang="ja-JP" sz="2000">
+              <a:rPr lang="ja-JP" sz="2000" dirty="0">
                 <a:ea typeface="メイリオ"/>
               </a:rPr>
               <a:t>強</a:t>
@@ -9932,104 +9938,116 @@
           </a:p>
           <a:p>
             <a:r>
-              <a:rPr lang="ja-JP" sz="2000">
+              <a:rPr lang="ja-JP" sz="2000" dirty="0">
                 <a:ea typeface="メイリオ"/>
               </a:rPr>
               <a:t>日本を見ると</a:t>
             </a:r>
             <a:r>
-              <a:rPr lang="en-US" altLang="ja-JP" sz="2000">
+              <a:rPr lang="en-US" altLang="ja-JP" sz="2000" dirty="0" err="1">
                 <a:ea typeface="メイリオ"/>
               </a:rPr>
               <a:t>Xamarin</a:t>
             </a:r>
             <a:r>
-              <a:rPr lang="ja-JP" sz="2000">
+              <a:rPr lang="ja-JP" sz="2000" dirty="0">
                 <a:ea typeface="メイリオ"/>
               </a:rPr>
               <a:t>と</a:t>
             </a:r>
             <a:r>
-              <a:rPr lang="en-US" altLang="ja-JP" sz="2000">
+              <a:rPr lang="en-US" altLang="ja-JP" sz="2000" dirty="0">
                 <a:ea typeface="メイリオ"/>
               </a:rPr>
               <a:t>React Native</a:t>
             </a:r>
             <a:r>
-              <a:rPr lang="ja-JP" sz="2000">
+              <a:rPr lang="ja-JP" sz="2000" dirty="0">
                 <a:ea typeface="メイリオ"/>
               </a:rPr>
               <a:t>が強い</a:t>
             </a:r>
           </a:p>
           <a:p>
-            <a:endParaRPr lang="ja-JP"/>
-          </a:p>
-          <a:p>
-            <a:r>
-              <a:rPr lang="ja-JP" sz="2000">
+            <a:endParaRPr lang="ja-JP" dirty="0"/>
+          </a:p>
+          <a:p>
+            <a:r>
+              <a:rPr lang="ja-JP" sz="2000" dirty="0">
                 <a:ea typeface="メイリオ"/>
               </a:rPr>
               <a:t>これまで述べた</a:t>
             </a:r>
             <a:r>
-              <a:rPr lang="en-US" altLang="ja-JP" sz="2000">
+              <a:rPr lang="en-US" altLang="ja-JP" sz="2000" dirty="0">
                 <a:ea typeface="メイリオ"/>
               </a:rPr>
               <a:t>3</a:t>
             </a:r>
             <a:r>
-              <a:rPr lang="ja-JP" sz="2000">
-                <a:ea typeface="メイリオ"/>
-              </a:rPr>
-              <a:t>つの手法以外にも、様々な手法がある</a:t>
-            </a:r>
-          </a:p>
-          <a:p>
-            <a:r>
-              <a:rPr lang="ja-JP" sz="2000">
+              <a:rPr lang="ja-JP" sz="2000" dirty="0" err="1">
+                <a:ea typeface="メイリオ"/>
+              </a:rPr>
+              <a:t>つの</a:t>
+            </a:r>
+            <a:r>
+              <a:rPr lang="ja-JP" sz="2000" dirty="0">
+                <a:ea typeface="メイリオ"/>
+              </a:rPr>
+              <a:t>手法以外にも、様々な手法がある</a:t>
+            </a:r>
+          </a:p>
+          <a:p>
+            <a:r>
+              <a:rPr lang="ja-JP" sz="2000" dirty="0">
                 <a:ea typeface="メイリオ"/>
               </a:rPr>
               <a:t>（</a:t>
             </a:r>
             <a:r>
-              <a:rPr lang="en-US" altLang="ja-JP">
-                <a:ea typeface="メイリオ"/>
-              </a:rPr>
-              <a:t> TitanumMobile</a:t>
-            </a:r>
-            <a:r>
-              <a:rPr lang="ja-JP">
+              <a:rPr lang="en-US" altLang="ja-JP" dirty="0">
+                <a:ea typeface="メイリオ"/>
+              </a:rPr>
+              <a:t> </a:t>
+            </a:r>
+            <a:r>
+              <a:rPr lang="en-US" altLang="ja-JP" dirty="0" err="1">
+                <a:ea typeface="メイリオ"/>
+              </a:rPr>
+              <a:t>TitanumMobile</a:t>
+            </a:r>
+            <a:r>
+              <a:rPr lang="ja-JP" dirty="0">
                 <a:ea typeface="メイリオ"/>
               </a:rPr>
               <a:t>や</a:t>
             </a:r>
             <a:r>
-              <a:rPr lang="ja-JP" sz="2000">
+              <a:rPr lang="ja-JP" sz="2000" dirty="0">
                 <a:ea typeface="メイリオ"/>
               </a:rPr>
               <a:t>ゲーム開発用の</a:t>
             </a:r>
             <a:r>
-              <a:rPr lang="en-US" altLang="ja-JP" sz="2000">
+              <a:rPr lang="en-US" altLang="ja-JP" sz="2000" dirty="0">
                 <a:ea typeface="メイリオ"/>
               </a:rPr>
               <a:t>Unity</a:t>
             </a:r>
             <a:r>
-              <a:rPr lang="ja-JP" sz="2000">
+              <a:rPr lang="ja-JP" sz="2000" dirty="0" err="1">
                 <a:ea typeface="メイリオ"/>
               </a:rPr>
               <a:t>、</a:t>
             </a:r>
             <a:r>
-              <a:rPr lang="en-US" altLang="ja-JP">
+              <a:rPr lang="en-US" altLang="ja-JP" dirty="0">
                 <a:ea typeface="メイリオ"/>
               </a:rPr>
               <a:t>Cocos2d-x</a:t>
             </a:r>
             <a:r>
-              <a:rPr lang="ja-JP" sz="2000">
+              <a:rPr lang="ja-JP" sz="2000" dirty="0">
                 <a:ea typeface="メイリオ"/>
               </a:rPr>
               <a:t>など）</a:t>
@@ -26316,11 +26334,28 @@
               <a:buNone/>
             </a:pPr>
             <a:r>
-              <a:rPr lang="ja-JP" altLang="en-US" sz="2100" dirty="0">
+              <a:rPr lang="ja-JP" altLang="en-US" sz="2100" smtClean="0">
                 <a:latin typeface="メイリオ"/>
                 <a:ea typeface="メイリオ"/>
               </a:rPr>
-              <a:t>今回のインターンシップで書くコードを纏めたリポジトリ</a:t>
+              <a:t>コミットログ</a:t>
+            </a:r>
+            <a:endParaRPr lang="en-US" altLang="ja-JP" sz="2100" dirty="0">
+              <a:latin typeface="メイリオ"/>
+              <a:ea typeface="メイリオ"/>
+            </a:endParaRPr>
+          </a:p>
+          <a:p>
+            <a:pPr>
+              <a:buNone/>
+            </a:pPr>
+            <a:r>
+              <a:rPr lang="en-US" sz="2100" dirty="0">
+                <a:latin typeface="メイリオ"/>
+                <a:ea typeface="メイリオ"/>
+                <a:hlinkClick r:id="rId2"/>
+              </a:rPr>
+              <a:t>https://github.com/aselab/internship-201809/commits/master</a:t>
             </a:r>
             <a:endParaRPr lang="en-US" sz="2100" dirty="0">
               <a:latin typeface="メイリオ"/>
@@ -26331,23 +26366,6 @@
             <a:pPr>
               <a:buNone/>
             </a:pPr>
-            <a:r>
-              <a:rPr lang="en-US" sz="2100" dirty="0">
-                <a:latin typeface="メイリオ"/>
-                <a:ea typeface="メイリオ"/>
-                <a:hlinkClick r:id="rId2"/>
-              </a:rPr>
-              <a:t>https://github.com/to4-yanagi/study_work/commits/master</a:t>
-            </a:r>
-            <a:endParaRPr lang="ja-JP" dirty="0">
-              <a:latin typeface="メイリオ"/>
-              <a:ea typeface="メイリオ"/>
-            </a:endParaRPr>
-          </a:p>
-          <a:p>
-            <a:pPr>
-              <a:buNone/>
-            </a:pPr>
             <a:endParaRPr lang="en-US" sz="2100" dirty="0">
               <a:latin typeface="メイリオ"/>
               <a:ea typeface="メイリオ"/>
@@ -26358,59 +26376,17 @@
               <a:buNone/>
             </a:pPr>
             <a:r>
+              <a:rPr lang="en-US" altLang="ja-JP" sz="2100" dirty="0" err="1">
+                <a:latin typeface="メイリオ"/>
+                <a:ea typeface="メイリオ"/>
+              </a:rPr>
+              <a:t>以降はコミットログにある順番で</a:t>
+            </a:r>
+            <a:r>
               <a:rPr lang="ja-JP" altLang="en-US" sz="2100" dirty="0">
                 <a:latin typeface="メイリオ"/>
                 <a:ea typeface="メイリオ"/>
               </a:rPr>
-              <a:t>コミットログ</a:t>
-            </a:r>
-            <a:endParaRPr lang="en-US" altLang="ja-JP" sz="2100" dirty="0">
-              <a:latin typeface="メイリオ"/>
-              <a:ea typeface="メイリオ"/>
-            </a:endParaRPr>
-          </a:p>
-          <a:p>
-            <a:pPr>
-              <a:buNone/>
-            </a:pPr>
-            <a:r>
-              <a:rPr lang="en-US" sz="2100" dirty="0">
-                <a:latin typeface="メイリオ"/>
-                <a:ea typeface="メイリオ"/>
-                <a:hlinkClick r:id="rId3"/>
-              </a:rPr>
-              <a:t>https://github.com/aselab/internship-201809/commits/master</a:t>
-            </a:r>
-            <a:endParaRPr lang="en-US" sz="2100" dirty="0">
-              <a:latin typeface="メイリオ"/>
-              <a:ea typeface="メイリオ"/>
-            </a:endParaRPr>
-          </a:p>
-          <a:p>
-            <a:pPr>
-              <a:buNone/>
-            </a:pPr>
-            <a:endParaRPr lang="en-US" sz="2100" dirty="0">
-              <a:latin typeface="メイリオ"/>
-              <a:ea typeface="メイリオ"/>
-            </a:endParaRPr>
-          </a:p>
-          <a:p>
-            <a:pPr>
-              <a:buNone/>
-            </a:pPr>
-            <a:r>
-              <a:rPr lang="en-US" altLang="ja-JP" sz="2100" dirty="0" err="1">
-                <a:latin typeface="メイリオ"/>
-                <a:ea typeface="メイリオ"/>
-              </a:rPr>
-              <a:t>以降はコミットログにある順番で</a:t>
-            </a:r>
-            <a:r>
-              <a:rPr lang="ja-JP" altLang="en-US" sz="2100">
-                <a:latin typeface="メイリオ"/>
-                <a:ea typeface="メイリオ"/>
-              </a:rPr>
               <a:t>「</a:t>
             </a:r>
             <a:r>
@@ -26421,7 +26397,7 @@
               <a:t>App.js</a:t>
             </a:r>
             <a:r>
-              <a:rPr lang="ja-JP" altLang="en-US" sz="2100">
+              <a:rPr lang="ja-JP" altLang="en-US" sz="2100" dirty="0">
                 <a:latin typeface="メイリオ"/>
                 <a:ea typeface="メイリオ"/>
               </a:rPr>
@@ -26435,7 +26411,7 @@
               <a:t>StickyNote.js</a:t>
             </a:r>
             <a:r>
-              <a:rPr lang="ja-JP" altLang="en-US" sz="2100">
+              <a:rPr lang="ja-JP" altLang="en-US" sz="2100" dirty="0">
                 <a:latin typeface="メイリオ"/>
                 <a:ea typeface="メイリオ"/>
               </a:rPr>
@@ -26447,16 +26423,12 @@
               <a:buNone/>
             </a:pPr>
             <a:r>
-              <a:rPr lang="ja-JP" altLang="en-US" sz="2100">
+              <a:rPr lang="ja-JP" altLang="en-US" sz="2100" dirty="0">
                 <a:latin typeface="メイリオ"/>
                 <a:ea typeface="メイリオ"/>
               </a:rPr>
               <a:t>実装のために必要になる知識の参考情報は逐次URLを記載してある。</a:t>
             </a:r>
-            <a:endParaRPr lang="ja-JP" altLang="en-US" sz="2100" dirty="0">
-              <a:latin typeface="メイリオ"/>
-              <a:ea typeface="メイリオ"/>
-            </a:endParaRPr>
           </a:p>
         </p:txBody>
       </p:sp>
